--- a/Nguyen_Van_Tan.pptx
+++ b/Nguyen_Van_Tan.pptx
@@ -12212,7 +12212,7 @@
           </a:p>
           <a:p>
             <a:r>
-              <a:rPr lang="en-US" smtClean="0">
+              <a:rPr lang="en-US" dirty="0" err="1" smtClean="0">
                 <a:latin typeface="Arial" panose="020B0604020202020204" pitchFamily="34" charset="0"/>
                 <a:cs typeface="Arial" panose="020B0604020202020204" pitchFamily="34" charset="0"/>
               </a:rPr>
@@ -13006,9 +13006,8 @@
             </a:r>
           </a:p>
           <a:p>
-            <a:pPr>
-              <a:buFontTx/>
-              <a:buChar char="-"/>
+            <a:pPr marL="0" indent="0">
+              <a:buNone/>
             </a:pPr>
             <a:endParaRPr lang="en-US" dirty="0">
               <a:latin typeface="Arial" panose="020B0604020202020204" pitchFamily="34" charset="0"/>
@@ -16618,32 +16617,20 @@
       </p:sp>
       <p:pic>
         <p:nvPicPr>
-          <p:cNvPr id="6" name="Graphic 3">
-            <a:extLst>
-              <a:ext uri="{FF2B5EF4-FFF2-40B4-BE49-F238E27FC236}">
-                <a16:creationId xmlns:a16="http://schemas.microsoft.com/office/drawing/2014/main" id="{85A02E7A-D4DB-48FA-A4E2-45B273CEE475}"/>
-              </a:ext>
-            </a:extLst>
-          </p:cNvPr>
+          <p:cNvPr id="5" name="Picture 4"/>
           <p:cNvPicPr/>
           <p:nvPr/>
         </p:nvPicPr>
         <p:blipFill>
-          <a:blip r:embed="rId2">
-            <a:extLst>
-              <a:ext uri="{96DAC541-7B7A-43D3-8B79-37D633B846F1}">
-                <asvg:svgBlip xmlns="" xmlns:asvg="http://schemas.microsoft.com/office/drawing/2016/SVG/main" r:embed="rId3"/>
-              </a:ext>
-            </a:extLst>
-          </a:blip>
+          <a:blip r:embed="rId2"/>
           <a:stretch>
             <a:fillRect/>
           </a:stretch>
         </p:blipFill>
         <p:spPr>
           <a:xfrm>
-            <a:off x="1772450" y="2324245"/>
-            <a:ext cx="5599100" cy="4032106"/>
+            <a:off x="740229" y="2290354"/>
+            <a:ext cx="7437120" cy="3958045"/>
           </a:xfrm>
           <a:prstGeom prst="rect">
             <a:avLst/>

--- a/Nguyen_Van_Tan.pptx
+++ b/Nguyen_Van_Tan.pptx
@@ -24,7 +24,7 @@
     <p:sldId id="298" r:id="rId18"/>
     <p:sldId id="299" r:id="rId19"/>
     <p:sldId id="291" r:id="rId20"/>
-    <p:sldId id="300" r:id="rId21"/>
+    <p:sldId id="301" r:id="rId21"/>
   </p:sldIdLst>
   <p:sldSz cx="9144000" cy="6858000" type="screen4x3"/>
   <p:notesSz cx="6858000" cy="9144000"/>
@@ -4979,13 +4979,7 @@
       </p:sp>
       <p:pic>
         <p:nvPicPr>
-          <p:cNvPr id="5" name="Picture 4">
-            <a:extLst>
-              <a:ext uri="{FF2B5EF4-FFF2-40B4-BE49-F238E27FC236}">
-                <a16:creationId xmlns:a16="http://schemas.microsoft.com/office/drawing/2014/main" id="{DFF79D3F-AA41-4650-9231-D21DAE54203C}"/>
-              </a:ext>
-            </a:extLst>
-          </p:cNvPr>
+          <p:cNvPr id="7" name="Picture 6"/>
           <p:cNvPicPr/>
           <p:nvPr/>
         </p:nvPicPr>
@@ -4997,23 +4991,18 @@
               </a:ext>
             </a:extLst>
           </a:blip>
-          <a:srcRect/>
           <a:stretch>
             <a:fillRect/>
           </a:stretch>
         </p:blipFill>
-        <p:spPr bwMode="auto">
+        <p:spPr>
           <a:xfrm>
-            <a:off x="990794" y="1943099"/>
-            <a:ext cx="7177260" cy="4528039"/>
+            <a:off x="1053737" y="1985553"/>
+            <a:ext cx="7461613" cy="4432663"/>
           </a:xfrm>
           <a:prstGeom prst="rect">
             <a:avLst/>
           </a:prstGeom>
-          <a:noFill/>
-          <a:ln>
-            <a:noFill/>
-          </a:ln>
         </p:spPr>
       </p:pic>
     </p:spTree>
@@ -5848,37 +5837,20 @@
       </p:sp>
       <p:pic>
         <p:nvPicPr>
-          <p:cNvPr id="8" name="Graphic 7">
-            <a:extLst>
-              <a:ext uri="{FF2B5EF4-FFF2-40B4-BE49-F238E27FC236}">
-                <a16:creationId xmlns:a16="http://schemas.microsoft.com/office/drawing/2014/main" id="{EBD368BF-9FF4-47A7-81BB-EEFC0FDA8EC7}"/>
-              </a:ext>
-            </a:extLst>
-          </p:cNvPr>
-          <p:cNvPicPr>
-            <a:picLocks noChangeAspect="1"/>
-          </p:cNvPicPr>
+          <p:cNvPr id="5" name="Picture 4"/>
+          <p:cNvPicPr/>
           <p:nvPr/>
         </p:nvPicPr>
         <p:blipFill>
-          <a:blip r:embed="rId2" cstate="print">
-            <a:extLst>
-              <a:ext uri="{28A0092B-C50C-407E-A947-70E740481C1C}">
-                <a14:useLocalDpi xmlns:a14="http://schemas.microsoft.com/office/drawing/2010/main" val="0"/>
-              </a:ext>
-              <a:ext uri="{96DAC541-7B7A-43D3-8B79-37D633B846F1}">
-                <asvg:svgBlip xmlns="" xmlns:asvg="http://schemas.microsoft.com/office/drawing/2016/SVG/main" r:embed="rId3"/>
-              </a:ext>
-            </a:extLst>
-          </a:blip>
+          <a:blip r:embed="rId2"/>
           <a:stretch>
             <a:fillRect/>
           </a:stretch>
         </p:blipFill>
         <p:spPr>
           <a:xfrm>
-            <a:off x="4530228" y="1837593"/>
-            <a:ext cx="4270872" cy="3938953"/>
+            <a:off x="4528457" y="1558834"/>
+            <a:ext cx="4371704" cy="4191499"/>
           </a:xfrm>
           <a:prstGeom prst="rect">
             <a:avLst/>
@@ -11266,38 +11238,206 @@
             <p:ph type="title"/>
           </p:nvPr>
         </p:nvSpPr>
-        <p:spPr/>
+        <p:spPr>
+          <a:xfrm>
+            <a:off x="628650" y="3747545"/>
+            <a:ext cx="7886700" cy="1303427"/>
+          </a:xfrm>
+        </p:spPr>
         <p:txBody>
-          <a:bodyPr/>
+          <a:bodyPr>
+            <a:normAutofit fontScale="90000"/>
+          </a:bodyPr>
           <a:lstStyle/>
           <a:p>
+            <a:pPr algn="ctr"/>
+            <a:r>
+              <a:rPr lang="en-US" dirty="0" err="1">
+                <a:solidFill>
+                  <a:schemeClr val="tx1"/>
+                </a:solidFill>
+                <a:latin typeface="Arial" panose="020B0604020202020204" pitchFamily="34" charset="0"/>
+                <a:cs typeface="Arial" panose="020B0604020202020204" pitchFamily="34" charset="0"/>
+              </a:rPr>
+              <a:t>Cảm</a:t>
+            </a:r>
+            <a:r>
+              <a:rPr lang="en-US" dirty="0">
+                <a:solidFill>
+                  <a:schemeClr val="tx1"/>
+                </a:solidFill>
+                <a:latin typeface="Arial" panose="020B0604020202020204" pitchFamily="34" charset="0"/>
+                <a:cs typeface="Arial" panose="020B0604020202020204" pitchFamily="34" charset="0"/>
+              </a:rPr>
+              <a:t> </a:t>
+            </a:r>
+            <a:r>
+              <a:rPr lang="vi-VN" dirty="0">
+                <a:solidFill>
+                  <a:schemeClr val="tx1"/>
+                </a:solidFill>
+                <a:latin typeface="Arial" panose="020B0604020202020204" pitchFamily="34" charset="0"/>
+                <a:cs typeface="Arial" panose="020B0604020202020204" pitchFamily="34" charset="0"/>
+              </a:rPr>
+              <a:t>ơ</a:t>
+            </a:r>
+            <a:r>
+              <a:rPr lang="en-US" dirty="0">
+                <a:solidFill>
+                  <a:schemeClr val="tx1"/>
+                </a:solidFill>
+                <a:latin typeface="Arial" panose="020B0604020202020204" pitchFamily="34" charset="0"/>
+                <a:cs typeface="Arial" panose="020B0604020202020204" pitchFamily="34" charset="0"/>
+              </a:rPr>
+              <a:t>n </a:t>
+            </a:r>
+            <a:r>
+              <a:rPr lang="en-US" dirty="0" err="1">
+                <a:solidFill>
+                  <a:schemeClr val="tx1"/>
+                </a:solidFill>
+                <a:latin typeface="Arial" panose="020B0604020202020204" pitchFamily="34" charset="0"/>
+                <a:cs typeface="Arial" panose="020B0604020202020204" pitchFamily="34" charset="0"/>
+              </a:rPr>
+              <a:t>thầy</a:t>
+            </a:r>
+            <a:r>
+              <a:rPr lang="en-US" dirty="0">
+                <a:solidFill>
+                  <a:schemeClr val="tx1"/>
+                </a:solidFill>
+                <a:latin typeface="Arial" panose="020B0604020202020204" pitchFamily="34" charset="0"/>
+                <a:cs typeface="Arial" panose="020B0604020202020204" pitchFamily="34" charset="0"/>
+              </a:rPr>
+              <a:t> </a:t>
+            </a:r>
+            <a:r>
+              <a:rPr lang="en-US" dirty="0" err="1">
+                <a:solidFill>
+                  <a:schemeClr val="tx1"/>
+                </a:solidFill>
+                <a:latin typeface="Arial" panose="020B0604020202020204" pitchFamily="34" charset="0"/>
+                <a:cs typeface="Arial" panose="020B0604020202020204" pitchFamily="34" charset="0"/>
+              </a:rPr>
+              <a:t>cô</a:t>
+            </a:r>
+            <a:r>
+              <a:rPr lang="en-US" dirty="0">
+                <a:solidFill>
+                  <a:schemeClr val="tx1"/>
+                </a:solidFill>
+                <a:latin typeface="Arial" panose="020B0604020202020204" pitchFamily="34" charset="0"/>
+                <a:cs typeface="Arial" panose="020B0604020202020204" pitchFamily="34" charset="0"/>
+              </a:rPr>
+              <a:t> </a:t>
+            </a:r>
+            <a:r>
+              <a:rPr lang="en-US" dirty="0" err="1">
+                <a:solidFill>
+                  <a:schemeClr val="tx1"/>
+                </a:solidFill>
+                <a:latin typeface="Arial" panose="020B0604020202020204" pitchFamily="34" charset="0"/>
+                <a:cs typeface="Arial" panose="020B0604020202020204" pitchFamily="34" charset="0"/>
+              </a:rPr>
+              <a:t>đã</a:t>
+            </a:r>
+            <a:r>
+              <a:rPr lang="en-US" dirty="0">
+                <a:solidFill>
+                  <a:schemeClr val="tx1"/>
+                </a:solidFill>
+                <a:latin typeface="Arial" panose="020B0604020202020204" pitchFamily="34" charset="0"/>
+                <a:cs typeface="Arial" panose="020B0604020202020204" pitchFamily="34" charset="0"/>
+              </a:rPr>
+              <a:t> </a:t>
+            </a:r>
+            <a:r>
+              <a:rPr lang="en-US" dirty="0" err="1">
+                <a:solidFill>
+                  <a:schemeClr val="tx1"/>
+                </a:solidFill>
+                <a:latin typeface="Arial" panose="020B0604020202020204" pitchFamily="34" charset="0"/>
+                <a:cs typeface="Arial" panose="020B0604020202020204" pitchFamily="34" charset="0"/>
+              </a:rPr>
+              <a:t>theo</a:t>
+            </a:r>
+            <a:r>
+              <a:rPr lang="en-US" dirty="0">
+                <a:solidFill>
+                  <a:schemeClr val="tx1"/>
+                </a:solidFill>
+                <a:latin typeface="Arial" panose="020B0604020202020204" pitchFamily="34" charset="0"/>
+                <a:cs typeface="Arial" panose="020B0604020202020204" pitchFamily="34" charset="0"/>
+              </a:rPr>
+              <a:t> </a:t>
+            </a:r>
+            <a:r>
+              <a:rPr lang="en-US" dirty="0" err="1">
+                <a:solidFill>
+                  <a:schemeClr val="tx1"/>
+                </a:solidFill>
+                <a:latin typeface="Arial" panose="020B0604020202020204" pitchFamily="34" charset="0"/>
+                <a:cs typeface="Arial" panose="020B0604020202020204" pitchFamily="34" charset="0"/>
+              </a:rPr>
+              <a:t>dõi</a:t>
+            </a:r>
+            <a:r>
+              <a:rPr lang="en-US" dirty="0">
+                <a:solidFill>
+                  <a:schemeClr val="tx1"/>
+                </a:solidFill>
+                <a:latin typeface="Arial" panose="020B0604020202020204" pitchFamily="34" charset="0"/>
+                <a:cs typeface="Arial" panose="020B0604020202020204" pitchFamily="34" charset="0"/>
+              </a:rPr>
+              <a:t>!</a:t>
+            </a:r>
+            <a:br>
+              <a:rPr lang="en-US" dirty="0">
+                <a:solidFill>
+                  <a:schemeClr val="tx1"/>
+                </a:solidFill>
+                <a:latin typeface="Arial" panose="020B0604020202020204" pitchFamily="34" charset="0"/>
+                <a:cs typeface="Arial" panose="020B0604020202020204" pitchFamily="34" charset="0"/>
+              </a:rPr>
+            </a:br>
             <a:endParaRPr lang="en-US" dirty="0"/>
           </a:p>
         </p:txBody>
       </p:sp>
-      <p:sp>
-        <p:nvSpPr>
-          <p:cNvPr id="3" name="Text Placeholder 2"/>
-          <p:cNvSpPr>
-            <a:spLocks noGrp="1"/>
-          </p:cNvSpPr>
-          <p:nvPr>
-            <p:ph type="body" idx="1"/>
-          </p:nvPr>
-        </p:nvSpPr>
-        <p:spPr/>
-        <p:txBody>
-          <a:bodyPr/>
-          <a:lstStyle/>
-          <a:p>
-            <a:endParaRPr lang="en-US"/>
-          </a:p>
-        </p:txBody>
-      </p:sp>
+      <p:pic>
+        <p:nvPicPr>
+          <p:cNvPr id="4" name="Picture 3"/>
+          <p:cNvPicPr>
+            <a:picLocks noChangeAspect="1"/>
+          </p:cNvPicPr>
+          <p:nvPr/>
+        </p:nvPicPr>
+        <p:blipFill>
+          <a:blip r:embed="rId2" cstate="print">
+            <a:extLst>
+              <a:ext uri="{28A0092B-C50C-407E-A947-70E740481C1C}">
+                <a14:useLocalDpi xmlns:a14="http://schemas.microsoft.com/office/drawing/2010/main" val="0"/>
+              </a:ext>
+            </a:extLst>
+          </a:blip>
+          <a:stretch>
+            <a:fillRect/>
+          </a:stretch>
+        </p:blipFill>
+        <p:spPr>
+          <a:xfrm>
+            <a:off x="0" y="0"/>
+            <a:ext cx="9144000" cy="1645919"/>
+          </a:xfrm>
+          <a:prstGeom prst="rect">
+            <a:avLst/>
+          </a:prstGeom>
+        </p:spPr>
+      </p:pic>
     </p:spTree>
     <p:extLst>
       <p:ext uri="{BB962C8B-B14F-4D97-AF65-F5344CB8AC3E}">
-        <p14:creationId xmlns:p14="http://schemas.microsoft.com/office/powerpoint/2010/main" val="1328931061"/>
+        <p14:creationId xmlns:p14="http://schemas.microsoft.com/office/powerpoint/2010/main" val="215751723"/>
       </p:ext>
     </p:extLst>
   </p:cSld>
